--- a/Martin Dario Daza Garzon/Pesentacion.pptx
+++ b/Martin Dario Daza Garzon/Pesentacion.pptx
@@ -273,18 +273,18 @@
   <pc:docChgLst>
     <pc:chgData name="Martin Daza" userId="4247d812a02fa749" providerId="LiveId" clId="{A4393C0A-8F1C-4228-BF0D-30C2EEEAE6B9}"/>
     <pc:docChg chg="undo custSel modSld">
-      <pc:chgData name="Martin Daza" userId="4247d812a02fa749" providerId="LiveId" clId="{A4393C0A-8F1C-4228-BF0D-30C2EEEAE6B9}" dt="2023-05-23T12:08:05.448" v="547" actId="20577"/>
+      <pc:chgData name="Martin Daza" userId="4247d812a02fa749" providerId="LiveId" clId="{A4393C0A-8F1C-4228-BF0D-30C2EEEAE6B9}" dt="2023-05-24T13:25:46.906" v="555" actId="20577"/>
       <pc:docMkLst>
         <pc:docMk/>
       </pc:docMkLst>
       <pc:sldChg chg="modSp mod modNotes">
-        <pc:chgData name="Martin Daza" userId="4247d812a02fa749" providerId="LiveId" clId="{A4393C0A-8F1C-4228-BF0D-30C2EEEAE6B9}" dt="2023-05-23T12:08:05.448" v="547" actId="20577"/>
+        <pc:chgData name="Martin Daza" userId="4247d812a02fa749" providerId="LiveId" clId="{A4393C0A-8F1C-4228-BF0D-30C2EEEAE6B9}" dt="2023-05-24T13:25:46.906" v="555" actId="20577"/>
         <pc:sldMkLst>
           <pc:docMk/>
           <pc:sldMk cId="0" sldId="284"/>
         </pc:sldMkLst>
         <pc:spChg chg="mod">
-          <ac:chgData name="Martin Daza" userId="4247d812a02fa749" providerId="LiveId" clId="{A4393C0A-8F1C-4228-BF0D-30C2EEEAE6B9}" dt="2023-05-23T12:07:50.923" v="528" actId="20577"/>
+          <ac:chgData name="Martin Daza" userId="4247d812a02fa749" providerId="LiveId" clId="{A4393C0A-8F1C-4228-BF0D-30C2EEEAE6B9}" dt="2023-05-24T13:25:46.906" v="555" actId="20577"/>
           <ac:spMkLst>
             <pc:docMk/>
             <pc:sldMk cId="0" sldId="284"/>
@@ -6484,8 +6484,21 @@
                   <a:schemeClr val="dk1"/>
                 </a:solidFill>
               </a:rPr>
-              <a:t>)</a:t>
+              <a:t>), </a:t>
             </a:r>
+            <a:r>
+              <a:rPr lang="es-ES" sz="1100">
+                <a:solidFill>
+                  <a:schemeClr val="dk1"/>
+                </a:solidFill>
+              </a:rPr>
+              <a:t>Svelte</a:t>
+            </a:r>
+            <a:endParaRPr lang="es-ES" sz="1100" dirty="0">
+              <a:solidFill>
+                <a:schemeClr val="dk1"/>
+              </a:solidFill>
+            </a:endParaRPr>
           </a:p>
           <a:p>
             <a:pPr marL="0" lvl="0" indent="0" algn="l" rtl="0">
